--- a/RossmannSalesPrediction.pptx
+++ b/RossmannSalesPrediction.pptx
@@ -13,7 +13,8 @@
     <p:sldId id="263" r:id="rId7"/>
     <p:sldId id="262" r:id="rId8"/>
     <p:sldId id="264" r:id="rId9"/>
-    <p:sldId id="260" r:id="rId10"/>
+    <p:sldId id="265" r:id="rId10"/>
+    <p:sldId id="260" r:id="rId11"/>
   </p:sldIdLst>
   <p:sldSz cx="12192000" cy="6858000"/>
   <p:notesSz cx="6858000" cy="9144000"/>
@@ -112,6 +113,22 @@
       </a:defRPr>
     </a:lvl9pPr>
   </p:defaultTextStyle>
+  <p:extLst>
+    <p:ext uri="{EFAFB233-063F-42B5-8137-9DF3F51BA10A}">
+      <p15:sldGuideLst xmlns:p15="http://schemas.microsoft.com/office/powerpoint/2012/main">
+        <p15:guide id="1" orient="horz" pos="2160">
+          <p15:clr>
+            <a:srgbClr val="A4A3A4"/>
+          </p15:clr>
+        </p15:guide>
+        <p15:guide id="2" pos="3840">
+          <p15:clr>
+            <a:srgbClr val="A4A3A4"/>
+          </p15:clr>
+        </p15:guide>
+      </p15:sldGuideLst>
+    </p:ext>
+  </p:extLst>
 </p:presentation>
 </file>
 
@@ -246,7 +263,7 @@
           <a:p>
             <a:fld id="{4BC58D2F-D82E-42F3-88AC-B5E17C19F2F3}" type="datetimeFigureOut">
               <a:rPr lang="en-US" smtClean="0"/>
-              <a:t>12/1/2015</a:t>
+              <a:t>12/8/2015</a:t>
             </a:fld>
             <a:endParaRPr lang="en-US"/>
           </a:p>
@@ -416,7 +433,7 @@
           <a:p>
             <a:fld id="{4BC58D2F-D82E-42F3-88AC-B5E17C19F2F3}" type="datetimeFigureOut">
               <a:rPr lang="en-US" smtClean="0"/>
-              <a:t>12/1/2015</a:t>
+              <a:t>12/8/2015</a:t>
             </a:fld>
             <a:endParaRPr lang="en-US"/>
           </a:p>
@@ -596,7 +613,7 @@
           <a:p>
             <a:fld id="{4BC58D2F-D82E-42F3-88AC-B5E17C19F2F3}" type="datetimeFigureOut">
               <a:rPr lang="en-US" smtClean="0"/>
-              <a:t>12/1/2015</a:t>
+              <a:t>12/8/2015</a:t>
             </a:fld>
             <a:endParaRPr lang="en-US"/>
           </a:p>
@@ -766,7 +783,7 @@
           <a:p>
             <a:fld id="{4BC58D2F-D82E-42F3-88AC-B5E17C19F2F3}" type="datetimeFigureOut">
               <a:rPr lang="en-US" smtClean="0"/>
-              <a:t>12/1/2015</a:t>
+              <a:t>12/8/2015</a:t>
             </a:fld>
             <a:endParaRPr lang="en-US"/>
           </a:p>
@@ -1012,7 +1029,7 @@
           <a:p>
             <a:fld id="{4BC58D2F-D82E-42F3-88AC-B5E17C19F2F3}" type="datetimeFigureOut">
               <a:rPr lang="en-US" smtClean="0"/>
-              <a:t>12/1/2015</a:t>
+              <a:t>12/8/2015</a:t>
             </a:fld>
             <a:endParaRPr lang="en-US"/>
           </a:p>
@@ -1244,7 +1261,7 @@
           <a:p>
             <a:fld id="{4BC58D2F-D82E-42F3-88AC-B5E17C19F2F3}" type="datetimeFigureOut">
               <a:rPr lang="en-US" smtClean="0"/>
-              <a:t>12/1/2015</a:t>
+              <a:t>12/8/2015</a:t>
             </a:fld>
             <a:endParaRPr lang="en-US"/>
           </a:p>
@@ -1611,7 +1628,7 @@
           <a:p>
             <a:fld id="{4BC58D2F-D82E-42F3-88AC-B5E17C19F2F3}" type="datetimeFigureOut">
               <a:rPr lang="en-US" smtClean="0"/>
-              <a:t>12/1/2015</a:t>
+              <a:t>12/8/2015</a:t>
             </a:fld>
             <a:endParaRPr lang="en-US"/>
           </a:p>
@@ -1729,7 +1746,7 @@
           <a:p>
             <a:fld id="{4BC58D2F-D82E-42F3-88AC-B5E17C19F2F3}" type="datetimeFigureOut">
               <a:rPr lang="en-US" smtClean="0"/>
-              <a:t>12/1/2015</a:t>
+              <a:t>12/8/2015</a:t>
             </a:fld>
             <a:endParaRPr lang="en-US"/>
           </a:p>
@@ -1824,7 +1841,7 @@
           <a:p>
             <a:fld id="{4BC58D2F-D82E-42F3-88AC-B5E17C19F2F3}" type="datetimeFigureOut">
               <a:rPr lang="en-US" smtClean="0"/>
-              <a:t>12/1/2015</a:t>
+              <a:t>12/8/2015</a:t>
             </a:fld>
             <a:endParaRPr lang="en-US"/>
           </a:p>
@@ -2101,7 +2118,7 @@
           <a:p>
             <a:fld id="{4BC58D2F-D82E-42F3-88AC-B5E17C19F2F3}" type="datetimeFigureOut">
               <a:rPr lang="en-US" smtClean="0"/>
-              <a:t>12/1/2015</a:t>
+              <a:t>12/8/2015</a:t>
             </a:fld>
             <a:endParaRPr lang="en-US"/>
           </a:p>
@@ -2354,7 +2371,7 @@
           <a:p>
             <a:fld id="{4BC58D2F-D82E-42F3-88AC-B5E17C19F2F3}" type="datetimeFigureOut">
               <a:rPr lang="en-US" smtClean="0"/>
-              <a:t>12/1/2015</a:t>
+              <a:t>12/8/2015</a:t>
             </a:fld>
             <a:endParaRPr lang="en-US"/>
           </a:p>
@@ -2567,7 +2584,7 @@
           <a:p>
             <a:fld id="{4BC58D2F-D82E-42F3-88AC-B5E17C19F2F3}" type="datetimeFigureOut">
               <a:rPr lang="en-US" smtClean="0"/>
-              <a:t>12/1/2015</a:t>
+              <a:t>12/8/2015</a:t>
             </a:fld>
             <a:endParaRPr lang="en-US"/>
           </a:p>
@@ -3239,6 +3256,67 @@
 </p:sld>
 </file>
 
+<file path=ppt/slides/slide10.xml><?xml version="1.0" encoding="utf-8"?>
+<p:sld xmlns:a="http://schemas.openxmlformats.org/drawingml/2006/main" xmlns:r="http://schemas.openxmlformats.org/officeDocument/2006/relationships" xmlns:p="http://schemas.openxmlformats.org/presentationml/2006/main">
+  <p:cSld>
+    <p:spTree>
+      <p:nvGrpSpPr>
+        <p:cNvPr id="1" name=""/>
+        <p:cNvGrpSpPr/>
+        <p:nvPr/>
+      </p:nvGrpSpPr>
+      <p:grpSpPr>
+        <a:xfrm>
+          <a:off x="0" y="0"/>
+          <a:ext cx="0" cy="0"/>
+          <a:chOff x="0" y="0"/>
+          <a:chExt cx="0" cy="0"/>
+        </a:xfrm>
+      </p:grpSpPr>
+      <p:sp>
+        <p:nvSpPr>
+          <p:cNvPr id="4" name="Title 3"/>
+          <p:cNvSpPr>
+            <a:spLocks noGrp="1"/>
+          </p:cNvSpPr>
+          <p:nvPr>
+            <p:ph type="title"/>
+          </p:nvPr>
+        </p:nvSpPr>
+        <p:spPr>
+          <a:xfrm>
+            <a:off x="889959" y="2616619"/>
+            <a:ext cx="10515600" cy="1325563"/>
+          </a:xfrm>
+        </p:spPr>
+        <p:txBody>
+          <a:bodyPr>
+            <a:normAutofit/>
+          </a:bodyPr>
+          <a:lstStyle/>
+          <a:p>
+            <a:pPr algn="ctr"/>
+            <a:r>
+              <a:rPr lang="en-US" sz="8000" dirty="0" smtClean="0"/>
+              <a:t>Thank you !!!</a:t>
+            </a:r>
+            <a:endParaRPr lang="en-US" sz="8000" dirty="0"/>
+          </a:p>
+        </p:txBody>
+      </p:sp>
+    </p:spTree>
+    <p:extLst>
+      <p:ext uri="{BB962C8B-B14F-4D97-AF65-F5344CB8AC3E}">
+        <p14:creationId xmlns:p14="http://schemas.microsoft.com/office/powerpoint/2010/main" val="2341085647"/>
+      </p:ext>
+    </p:extLst>
+  </p:cSld>
+  <p:clrMapOvr>
+    <a:masterClrMapping/>
+  </p:clrMapOvr>
+</p:sld>
+</file>
+
 <file path=ppt/slides/slide2.xml><?xml version="1.0" encoding="utf-8"?>
 <p:sld xmlns:a="http://schemas.openxmlformats.org/drawingml/2006/main" xmlns:r="http://schemas.openxmlformats.org/officeDocument/2006/relationships" xmlns:p="http://schemas.openxmlformats.org/presentationml/2006/main">
   <p:cSld>
@@ -4567,7 +4645,7 @@
       </p:grpSpPr>
       <p:sp>
         <p:nvSpPr>
-          <p:cNvPr id="4" name="Title 3"/>
+          <p:cNvPr id="2" name="Title 1"/>
           <p:cNvSpPr>
             <a:spLocks noGrp="1"/>
           </p:cNvSpPr>
@@ -4575,31 +4653,57 @@
             <p:ph type="title"/>
           </p:nvPr>
         </p:nvSpPr>
-        <p:spPr>
-          <a:xfrm>
-            <a:off x="889959" y="2616619"/>
-            <a:ext cx="10515600" cy="1325563"/>
-          </a:xfrm>
-        </p:spPr>
-        <p:txBody>
-          <a:bodyPr>
-            <a:normAutofit/>
-          </a:bodyPr>
-          <a:lstStyle/>
-          <a:p>
-            <a:pPr algn="ctr"/>
-            <a:r>
-              <a:rPr lang="en-US" sz="8000" dirty="0" smtClean="0"/>
-              <a:t>Thank you !!!</a:t>
-            </a:r>
-            <a:endParaRPr lang="en-US" sz="8000" dirty="0"/>
+        <p:spPr/>
+        <p:txBody>
+          <a:bodyPr/>
+          <a:lstStyle/>
+          <a:p>
+            <a:r>
+              <a:rPr lang="en-US" dirty="0" smtClean="0"/>
+              <a:t>Acceptance Criteria</a:t>
+            </a:r>
+            <a:endParaRPr lang="en-US" dirty="0"/>
+          </a:p>
+        </p:txBody>
+      </p:sp>
+      <p:sp>
+        <p:nvSpPr>
+          <p:cNvPr id="3" name="Content Placeholder 2"/>
+          <p:cNvSpPr>
+            <a:spLocks noGrp="1"/>
+          </p:cNvSpPr>
+          <p:nvPr>
+            <p:ph idx="1"/>
+          </p:nvPr>
+        </p:nvSpPr>
+        <p:spPr/>
+        <p:txBody>
+          <a:bodyPr/>
+          <a:lstStyle/>
+          <a:p>
+            <a:r>
+              <a:rPr lang="en-US" dirty="0" smtClean="0"/>
+              <a:t>We had targeted an RMSPE </a:t>
+            </a:r>
+            <a:r>
+              <a:rPr lang="en-US" smtClean="0"/>
+              <a:t>of 0.20</a:t>
+            </a:r>
+            <a:endParaRPr lang="en-US" dirty="0" smtClean="0"/>
+          </a:p>
+          <a:p>
+            <a:r>
+              <a:rPr lang="en-US" dirty="0" smtClean="0"/>
+              <a:t>We ended up achieving an RMSPE of 0.45</a:t>
+            </a:r>
+            <a:endParaRPr lang="en-US" dirty="0"/>
           </a:p>
         </p:txBody>
       </p:sp>
     </p:spTree>
     <p:extLst>
       <p:ext uri="{BB962C8B-B14F-4D97-AF65-F5344CB8AC3E}">
-        <p14:creationId xmlns:p14="http://schemas.microsoft.com/office/powerpoint/2010/main" val="2341085647"/>
+        <p14:creationId xmlns:p14="http://schemas.microsoft.com/office/powerpoint/2010/main" val="4229525571"/>
       </p:ext>
     </p:extLst>
   </p:cSld>
@@ -4864,7 +4968,7 @@
   <a:extraClrSchemeLst/>
   <a:extLst>
     <a:ext uri="{05A4C25C-085E-4340-85A3-A5531E510DB2}">
-      <thm15:themeFamily xmlns:thm15="http://schemas.microsoft.com/office/thememl/2012/main" xmlns="" name="Office Theme" id="{62F939B6-93AF-4DB8-9C6B-D6C7DFDC589F}" vid="{4A3C46E8-61CC-4603-A589-7422A47A8E4A}"/>
+      <thm15:themeFamily xmlns:thm15="http://schemas.microsoft.com/office/thememl/2012/main" name="Office Theme" id="{62F939B6-93AF-4DB8-9C6B-D6C7DFDC589F}" vid="{4A3C46E8-61CC-4603-A589-7422A47A8E4A}"/>
     </a:ext>
   </a:extLst>
 </a:theme>
